--- a/ppt/Arduino.pptx
+++ b/ppt/Arduino.pptx
@@ -349,7 +349,7 @@
           <a:p>
             <a:fld id="{7AE6A7E6-A2AA-4ED9-96AC-0393FC648949}" type="datetimeFigureOut">
               <a:rPr lang="zh-CN" altLang="en-US" smtClean="0"/>
-              <a:t>2017/9/5</a:t>
+              <a:t>2017/9/17</a:t>
             </a:fld>
             <a:endParaRPr lang="zh-CN" altLang="en-US"/>
           </a:p>
@@ -514,7 +514,7 @@
           <a:p>
             <a:fld id="{7AE6A7E6-A2AA-4ED9-96AC-0393FC648949}" type="datetimeFigureOut">
               <a:rPr lang="zh-CN" altLang="en-US" smtClean="0"/>
-              <a:t>2017/9/5</a:t>
+              <a:t>2017/9/17</a:t>
             </a:fld>
             <a:endParaRPr lang="zh-CN" altLang="en-US"/>
           </a:p>
@@ -689,7 +689,7 @@
           <a:p>
             <a:fld id="{7AE6A7E6-A2AA-4ED9-96AC-0393FC648949}" type="datetimeFigureOut">
               <a:rPr lang="zh-CN" altLang="en-US" smtClean="0"/>
-              <a:t>2017/9/5</a:t>
+              <a:t>2017/9/17</a:t>
             </a:fld>
             <a:endParaRPr lang="zh-CN" altLang="en-US"/>
           </a:p>
@@ -854,7 +854,7 @@
           <a:p>
             <a:fld id="{7AE6A7E6-A2AA-4ED9-96AC-0393FC648949}" type="datetimeFigureOut">
               <a:rPr lang="zh-CN" altLang="en-US" smtClean="0"/>
-              <a:t>2017/9/5</a:t>
+              <a:t>2017/9/17</a:t>
             </a:fld>
             <a:endParaRPr lang="zh-CN" altLang="en-US"/>
           </a:p>
@@ -1095,7 +1095,7 @@
           <a:p>
             <a:fld id="{7AE6A7E6-A2AA-4ED9-96AC-0393FC648949}" type="datetimeFigureOut">
               <a:rPr lang="zh-CN" altLang="en-US" smtClean="0"/>
-              <a:t>2017/9/5</a:t>
+              <a:t>2017/9/17</a:t>
             </a:fld>
             <a:endParaRPr lang="zh-CN" altLang="en-US"/>
           </a:p>
@@ -1378,7 +1378,7 @@
           <a:p>
             <a:fld id="{7AE6A7E6-A2AA-4ED9-96AC-0393FC648949}" type="datetimeFigureOut">
               <a:rPr lang="zh-CN" altLang="en-US" smtClean="0"/>
-              <a:t>2017/9/5</a:t>
+              <a:t>2017/9/17</a:t>
             </a:fld>
             <a:endParaRPr lang="zh-CN" altLang="en-US"/>
           </a:p>
@@ -1795,7 +1795,7 @@
           <a:p>
             <a:fld id="{7AE6A7E6-A2AA-4ED9-96AC-0393FC648949}" type="datetimeFigureOut">
               <a:rPr lang="zh-CN" altLang="en-US" smtClean="0"/>
-              <a:t>2017/9/5</a:t>
+              <a:t>2017/9/17</a:t>
             </a:fld>
             <a:endParaRPr lang="zh-CN" altLang="en-US"/>
           </a:p>
@@ -1908,7 +1908,7 @@
           <a:p>
             <a:fld id="{7AE6A7E6-A2AA-4ED9-96AC-0393FC648949}" type="datetimeFigureOut">
               <a:rPr lang="zh-CN" altLang="en-US" smtClean="0"/>
-              <a:t>2017/9/5</a:t>
+              <a:t>2017/9/17</a:t>
             </a:fld>
             <a:endParaRPr lang="zh-CN" altLang="en-US"/>
           </a:p>
@@ -1998,7 +1998,7 @@
           <a:p>
             <a:fld id="{7AE6A7E6-A2AA-4ED9-96AC-0393FC648949}" type="datetimeFigureOut">
               <a:rPr lang="zh-CN" altLang="en-US" smtClean="0"/>
-              <a:t>2017/9/5</a:t>
+              <a:t>2017/9/17</a:t>
             </a:fld>
             <a:endParaRPr lang="zh-CN" altLang="en-US"/>
           </a:p>
@@ -2270,7 +2270,7 @@
           <a:p>
             <a:fld id="{7AE6A7E6-A2AA-4ED9-96AC-0393FC648949}" type="datetimeFigureOut">
               <a:rPr lang="zh-CN" altLang="en-US" smtClean="0"/>
-              <a:t>2017/9/5</a:t>
+              <a:t>2017/9/17</a:t>
             </a:fld>
             <a:endParaRPr lang="zh-CN" altLang="en-US"/>
           </a:p>
@@ -2518,7 +2518,7 @@
           <a:p>
             <a:fld id="{7AE6A7E6-A2AA-4ED9-96AC-0393FC648949}" type="datetimeFigureOut">
               <a:rPr lang="zh-CN" altLang="en-US" smtClean="0"/>
-              <a:t>2017/9/5</a:t>
+              <a:t>2017/9/17</a:t>
             </a:fld>
             <a:endParaRPr lang="zh-CN" altLang="en-US"/>
           </a:p>
@@ -2726,7 +2726,7 @@
           <a:p>
             <a:fld id="{7AE6A7E6-A2AA-4ED9-96AC-0393FC648949}" type="datetimeFigureOut">
               <a:rPr lang="zh-CN" altLang="en-US" smtClean="0"/>
-              <a:t>2017/9/5</a:t>
+              <a:t>2017/9/17</a:t>
             </a:fld>
             <a:endParaRPr lang="zh-CN" altLang="en-US"/>
           </a:p>
@@ -3192,6 +3192,13 @@
   <p:clrMapOvr>
     <a:masterClrMapping/>
   </p:clrMapOvr>
+  <p:timing>
+    <p:tnLst>
+      <p:par>
+        <p:cTn id="1" dur="indefinite" restart="never" nodeType="tmRoot"/>
+      </p:par>
+    </p:tnLst>
+  </p:timing>
 </p:sld>
 </file>
 
@@ -3288,6 +3295,13 @@
   <p:clrMapOvr>
     <a:masterClrMapping/>
   </p:clrMapOvr>
+  <p:timing>
+    <p:tnLst>
+      <p:par>
+        <p:cTn id="1" dur="indefinite" restart="never" nodeType="tmRoot"/>
+      </p:par>
+    </p:tnLst>
+  </p:timing>
 </p:sld>
 </file>
 
@@ -3384,6 +3398,13 @@
   <p:clrMapOvr>
     <a:masterClrMapping/>
   </p:clrMapOvr>
+  <p:timing>
+    <p:tnLst>
+      <p:par>
+        <p:cTn id="1" dur="indefinite" restart="never" nodeType="tmRoot"/>
+      </p:par>
+    </p:tnLst>
+  </p:timing>
 </p:sld>
 </file>
 
@@ -3472,6 +3493,13 @@
   <p:clrMapOvr>
     <a:masterClrMapping/>
   </p:clrMapOvr>
+  <p:timing>
+    <p:tnLst>
+      <p:par>
+        <p:cTn id="1" dur="indefinite" restart="never" nodeType="tmRoot"/>
+      </p:par>
+    </p:tnLst>
+  </p:timing>
 </p:sld>
 </file>
 
@@ -4492,6 +4520,13 @@
   <p:clrMapOvr>
     <a:masterClrMapping/>
   </p:clrMapOvr>
+  <p:timing>
+    <p:tnLst>
+      <p:par>
+        <p:cTn id="1" dur="indefinite" restart="never" nodeType="tmRoot"/>
+      </p:par>
+    </p:tnLst>
+  </p:timing>
 </p:sld>
 </file>
 
@@ -4572,6 +4607,13 @@
   <p:clrMapOvr>
     <a:masterClrMapping/>
   </p:clrMapOvr>
+  <p:timing>
+    <p:tnLst>
+      <p:par>
+        <p:cTn id="1" dur="indefinite" restart="never" nodeType="tmRoot"/>
+      </p:par>
+    </p:tnLst>
+  </p:timing>
 </p:sld>
 </file>
 
@@ -4668,6 +4710,13 @@
   <p:clrMapOvr>
     <a:masterClrMapping/>
   </p:clrMapOvr>
+  <p:timing>
+    <p:tnLst>
+      <p:par>
+        <p:cTn id="1" dur="indefinite" restart="never" nodeType="tmRoot"/>
+      </p:par>
+    </p:tnLst>
+  </p:timing>
 </p:sld>
 </file>
 
@@ -4772,6 +4821,13 @@
   <p:clrMapOvr>
     <a:masterClrMapping/>
   </p:clrMapOvr>
+  <p:timing>
+    <p:tnLst>
+      <p:par>
+        <p:cTn id="1" dur="indefinite" restart="never" nodeType="tmRoot"/>
+      </p:par>
+    </p:tnLst>
+  </p:timing>
 </p:sld>
 </file>
 
@@ -4962,6 +5018,13 @@
   <p:clrMapOvr>
     <a:masterClrMapping/>
   </p:clrMapOvr>
+  <p:timing>
+    <p:tnLst>
+      <p:par>
+        <p:cTn id="1" dur="indefinite" restart="never" nodeType="tmRoot"/>
+      </p:par>
+    </p:tnLst>
+  </p:timing>
 </p:sld>
 </file>
 
@@ -5053,6 +5116,13 @@
   <p:clrMapOvr>
     <a:masterClrMapping/>
   </p:clrMapOvr>
+  <p:timing>
+    <p:tnLst>
+      <p:par>
+        <p:cTn id="1" dur="indefinite" restart="never" nodeType="tmRoot"/>
+      </p:par>
+    </p:tnLst>
+  </p:timing>
 </p:sld>
 </file>
 
@@ -5144,6 +5214,13 @@
   <p:clrMapOvr>
     <a:masterClrMapping/>
   </p:clrMapOvr>
+  <p:timing>
+    <p:tnLst>
+      <p:par>
+        <p:cTn id="1" dur="indefinite" restart="never" nodeType="tmRoot"/>
+      </p:par>
+    </p:tnLst>
+  </p:timing>
 </p:sld>
 </file>
 
@@ -5271,6 +5348,13 @@
   <p:clrMapOvr>
     <a:masterClrMapping/>
   </p:clrMapOvr>
+  <p:timing>
+    <p:tnLst>
+      <p:par>
+        <p:cTn id="1" dur="indefinite" restart="never" nodeType="tmRoot"/>
+      </p:par>
+    </p:tnLst>
+  </p:timing>
 </p:sld>
 </file>
 
@@ -5388,6 +5472,13 @@
   <p:clrMapOvr>
     <a:masterClrMapping/>
   </p:clrMapOvr>
+  <p:timing>
+    <p:tnLst>
+      <p:par>
+        <p:cTn id="1" dur="indefinite" restart="never" nodeType="tmRoot"/>
+      </p:par>
+    </p:tnLst>
+  </p:timing>
 </p:sld>
 </file>
 
@@ -5499,6 +5590,13 @@
   <p:clrMapOvr>
     <a:masterClrMapping/>
   </p:clrMapOvr>
+  <p:timing>
+    <p:tnLst>
+      <p:par>
+        <p:cTn id="1" dur="indefinite" restart="never" nodeType="tmRoot"/>
+      </p:par>
+    </p:tnLst>
+  </p:timing>
 </p:sld>
 </file>
 
@@ -5598,6 +5696,13 @@
   <p:clrMapOvr>
     <a:masterClrMapping/>
   </p:clrMapOvr>
+  <p:timing>
+    <p:tnLst>
+      <p:par>
+        <p:cTn id="1" dur="indefinite" restart="never" nodeType="tmRoot"/>
+      </p:par>
+    </p:tnLst>
+  </p:timing>
 </p:sld>
 </file>
 
@@ -5705,6 +5810,13 @@
   <p:clrMapOvr>
     <a:masterClrMapping/>
   </p:clrMapOvr>
+  <p:timing>
+    <p:tnLst>
+      <p:par>
+        <p:cTn id="1" dur="indefinite" restart="never" nodeType="tmRoot"/>
+      </p:par>
+    </p:tnLst>
+  </p:timing>
 </p:sld>
 </file>
 
@@ -5872,6 +5984,13 @@
   <p:clrMapOvr>
     <a:masterClrMapping/>
   </p:clrMapOvr>
+  <p:timing>
+    <p:tnLst>
+      <p:par>
+        <p:cTn id="1" dur="indefinite" restart="never" nodeType="tmRoot"/>
+      </p:par>
+    </p:tnLst>
+  </p:timing>
 </p:sld>
 </file>
 
@@ -6105,6 +6224,13 @@
   <p:clrMapOvr>
     <a:masterClrMapping/>
   </p:clrMapOvr>
+  <p:timing>
+    <p:tnLst>
+      <p:par>
+        <p:cTn id="1" dur="indefinite" restart="never" nodeType="tmRoot"/>
+      </p:par>
+    </p:tnLst>
+  </p:timing>
 </p:sld>
 </file>
 
@@ -6270,6 +6396,13 @@
   <p:clrMapOvr>
     <a:masterClrMapping/>
   </p:clrMapOvr>
+  <p:timing>
+    <p:tnLst>
+      <p:par>
+        <p:cTn id="1" dur="indefinite" restart="never" nodeType="tmRoot"/>
+      </p:par>
+    </p:tnLst>
+  </p:timing>
 </p:sld>
 </file>
 
@@ -6381,6 +6514,13 @@
   <p:clrMapOvr>
     <a:masterClrMapping/>
   </p:clrMapOvr>
+  <p:timing>
+    <p:tnLst>
+      <p:par>
+        <p:cTn id="1" dur="indefinite" restart="never" nodeType="tmRoot"/>
+      </p:par>
+    </p:tnLst>
+  </p:timing>
 </p:sld>
 </file>
 
@@ -6472,6 +6612,13 @@
   <p:clrMapOvr>
     <a:masterClrMapping/>
   </p:clrMapOvr>
+  <p:timing>
+    <p:tnLst>
+      <p:par>
+        <p:cTn id="1" dur="indefinite" restart="never" nodeType="tmRoot"/>
+      </p:par>
+    </p:tnLst>
+  </p:timing>
 </p:sld>
 </file>
 
@@ -6625,6 +6772,13 @@
   <p:clrMapOvr>
     <a:masterClrMapping/>
   </p:clrMapOvr>
+  <p:timing>
+    <p:tnLst>
+      <p:par>
+        <p:cTn id="1" dur="indefinite" restart="never" nodeType="tmRoot"/>
+      </p:par>
+    </p:tnLst>
+  </p:timing>
 </p:sld>
 </file>
 
@@ -6722,6 +6876,13 @@
   <p:clrMapOvr>
     <a:masterClrMapping/>
   </p:clrMapOvr>
+  <p:timing>
+    <p:tnLst>
+      <p:par>
+        <p:cTn id="1" dur="indefinite" restart="never" nodeType="tmRoot"/>
+      </p:par>
+    </p:tnLst>
+  </p:timing>
 </p:sld>
 </file>
 
@@ -8726,7 +8887,7 @@
         </p:spPr>
         <p:txBody>
           <a:bodyPr>
-            <a:normAutofit fontScale="85000" lnSpcReduction="20000"/>
+            <a:normAutofit fontScale="92500" lnSpcReduction="20000"/>
           </a:bodyPr>
           <a:lstStyle/>
           <a:p>
@@ -8768,7 +8929,7 @@
             </a:r>
             <a:r>
               <a:rPr lang="en-US" altLang="zh-CN" dirty="0"/>
-              <a:t> boards are completely open-source, empowering users to build them independently and eventually adapt them to their particular needs. The software, too, is open-source, and it is growing through the contributions of users worldwide.</a:t>
+              <a:t> boards are completely open-source, empowering users to build them independently and eventually adapt them to their particular needs. </a:t>
             </a:r>
             <a:endParaRPr lang="zh-CN" altLang="en-US" dirty="0"/>
           </a:p>
@@ -8784,6 +8945,13 @@
   <p:clrMapOvr>
     <a:masterClrMapping/>
   </p:clrMapOvr>
+  <p:timing>
+    <p:tnLst>
+      <p:par>
+        <p:cTn id="1" dur="indefinite" restart="never" nodeType="tmRoot"/>
+      </p:par>
+    </p:tnLst>
+  </p:timing>
 </p:sld>
 </file>
 
@@ -10249,6 +10417,13 @@
   <p:clrMapOvr>
     <a:masterClrMapping/>
   </p:clrMapOvr>
+  <p:timing>
+    <p:tnLst>
+      <p:par>
+        <p:cTn id="1" dur="indefinite" restart="never" nodeType="tmRoot"/>
+      </p:par>
+    </p:tnLst>
+  </p:timing>
 </p:sld>
 </file>
 
@@ -12247,6 +12422,13 @@
   <p:clrMapOvr>
     <a:masterClrMapping/>
   </p:clrMapOvr>
+  <p:timing>
+    <p:tnLst>
+      <p:par>
+        <p:cTn id="1" dur="indefinite" restart="never" nodeType="tmRoot"/>
+      </p:par>
+    </p:tnLst>
+  </p:timing>
 </p:sld>
 </file>
 
@@ -13115,6 +13297,13 @@
   <p:clrMapOvr>
     <a:masterClrMapping/>
   </p:clrMapOvr>
+  <p:timing>
+    <p:tnLst>
+      <p:par>
+        <p:cTn id="1" dur="indefinite" restart="never" nodeType="tmRoot"/>
+      </p:par>
+    </p:tnLst>
+  </p:timing>
 </p:sld>
 </file>
 
@@ -13211,6 +13400,13 @@
   <p:clrMapOvr>
     <a:masterClrMapping/>
   </p:clrMapOvr>
+  <p:timing>
+    <p:tnLst>
+      <p:par>
+        <p:cTn id="1" dur="indefinite" restart="never" nodeType="tmRoot"/>
+      </p:par>
+    </p:tnLst>
+  </p:timing>
 </p:sld>
 </file>
 
@@ -13305,7 +13501,6 @@
               <a:rPr lang="en-US" altLang="zh-CN" dirty="0"/>
               <a:t> family.</a:t>
             </a:r>
-            <a:endParaRPr lang="en-US" altLang="zh-CN" dirty="0"/>
           </a:p>
         </p:txBody>
       </p:sp>
@@ -13319,6 +13514,13 @@
   <p:clrMapOvr>
     <a:masterClrMapping/>
   </p:clrMapOvr>
+  <p:timing>
+    <p:tnLst>
+      <p:par>
+        <p:cTn id="1" dur="indefinite" restart="never" nodeType="tmRoot"/>
+      </p:par>
+    </p:tnLst>
+  </p:timing>
 </p:sld>
 </file>
 

--- a/ppt/Arduino.pptx
+++ b/ppt/Arduino.pptx
@@ -7036,6 +7036,13 @@
   <p:clrMapOvr>
     <a:masterClrMapping/>
   </p:clrMapOvr>
+  <p:timing>
+    <p:tnLst>
+      <p:par>
+        <p:cTn id="1" dur="indefinite" restart="never" nodeType="tmRoot"/>
+      </p:par>
+    </p:tnLst>
+  </p:timing>
 </p:sld>
 </file>
 
@@ -7189,6 +7196,13 @@
   <p:clrMapOvr>
     <a:masterClrMapping/>
   </p:clrMapOvr>
+  <p:timing>
+    <p:tnLst>
+      <p:par>
+        <p:cTn id="1" dur="indefinite" restart="never" nodeType="tmRoot"/>
+      </p:par>
+    </p:tnLst>
+  </p:timing>
 </p:sld>
 </file>
 
@@ -7404,6 +7418,13 @@
   <p:clrMapOvr>
     <a:masterClrMapping/>
   </p:clrMapOvr>
+  <p:timing>
+    <p:tnLst>
+      <p:par>
+        <p:cTn id="1" dur="indefinite" restart="never" nodeType="tmRoot"/>
+      </p:par>
+    </p:tnLst>
+  </p:timing>
 </p:sld>
 </file>
 
@@ -7557,6 +7578,13 @@
   <p:clrMapOvr>
     <a:masterClrMapping/>
   </p:clrMapOvr>
+  <p:timing>
+    <p:tnLst>
+      <p:par>
+        <p:cTn id="1" dur="indefinite" restart="never" nodeType="tmRoot"/>
+      </p:par>
+    </p:tnLst>
+  </p:timing>
 </p:sld>
 </file>
 
@@ -7821,6 +7849,13 @@
   <p:clrMapOvr>
     <a:masterClrMapping/>
   </p:clrMapOvr>
+  <p:timing>
+    <p:tnLst>
+      <p:par>
+        <p:cTn id="1" dur="indefinite" restart="never" nodeType="tmRoot"/>
+      </p:par>
+    </p:tnLst>
+  </p:timing>
 </p:sld>
 </file>
 
@@ -8072,6 +8107,13 @@
   <p:clrMapOvr>
     <a:masterClrMapping/>
   </p:clrMapOvr>
+  <p:timing>
+    <p:tnLst>
+      <p:par>
+        <p:cTn id="1" dur="indefinite" restart="never" nodeType="tmRoot"/>
+      </p:par>
+    </p:tnLst>
+  </p:timing>
 </p:sld>
 </file>
 
@@ -8203,6 +8245,13 @@
   <p:clrMapOvr>
     <a:masterClrMapping/>
   </p:clrMapOvr>
+  <p:timing>
+    <p:tnLst>
+      <p:par>
+        <p:cTn id="1" dur="indefinite" restart="never" nodeType="tmRoot"/>
+      </p:par>
+    </p:tnLst>
+  </p:timing>
 </p:sld>
 </file>
 
@@ -8396,6 +8445,13 @@
   <p:clrMapOvr>
     <a:masterClrMapping/>
   </p:clrMapOvr>
+  <p:timing>
+    <p:tnLst>
+      <p:par>
+        <p:cTn id="1" dur="indefinite" restart="never" nodeType="tmRoot"/>
+      </p:par>
+    </p:tnLst>
+  </p:timing>
 </p:sld>
 </file>
 
@@ -8583,6 +8639,13 @@
   <p:clrMapOvr>
     <a:masterClrMapping/>
   </p:clrMapOvr>
+  <p:timing>
+    <p:tnLst>
+      <p:par>
+        <p:cTn id="1" dur="indefinite" restart="never" nodeType="tmRoot"/>
+      </p:par>
+    </p:tnLst>
+  </p:timing>
 </p:sld>
 </file>
 
@@ -8820,6 +8883,13 @@
   <p:clrMapOvr>
     <a:masterClrMapping/>
   </p:clrMapOvr>
+  <p:timing>
+    <p:tnLst>
+      <p:par>
+        <p:cTn id="1" dur="indefinite" restart="never" nodeType="tmRoot"/>
+      </p:par>
+    </p:tnLst>
+  </p:timing>
 </p:sld>
 </file>
 
@@ -8882,12 +8952,12 @@
         <p:spPr>
           <a:xfrm>
             <a:off x="457200" y="1600200"/>
-            <a:ext cx="8579296" cy="4525963"/>
+            <a:ext cx="8579296" cy="5141168"/>
           </a:xfrm>
         </p:spPr>
         <p:txBody>
           <a:bodyPr>
-            <a:normAutofit fontScale="92500" lnSpcReduction="20000"/>
+            <a:normAutofit fontScale="92500" lnSpcReduction="10000"/>
           </a:bodyPr>
           <a:lstStyle/>
           <a:p>
@@ -8921,7 +8991,14 @@
             </a:r>
             <a:r>
               <a:rPr lang="en-US" altLang="zh-CN" dirty="0"/>
-              <a:t> applications, wearable, 3D printing, and embedded environments. All </a:t>
+              <a:t> applications, wearable, 3D printing, and embedded environments. </a:t>
+            </a:r>
+            <a:endParaRPr lang="en-US" altLang="zh-CN" dirty="0" smtClean="0"/>
+          </a:p>
+          <a:p>
+            <a:r>
+              <a:rPr lang="en-US" altLang="zh-CN" dirty="0" smtClean="0"/>
+              <a:t>All </a:t>
             </a:r>
             <a:r>
               <a:rPr lang="en-US" altLang="zh-CN" dirty="0" err="1"/>
@@ -9109,6 +9186,13 @@
   <p:clrMapOvr>
     <a:masterClrMapping/>
   </p:clrMapOvr>
+  <p:timing>
+    <p:tnLst>
+      <p:par>
+        <p:cTn id="1" dur="indefinite" restart="never" nodeType="tmRoot"/>
+      </p:par>
+    </p:tnLst>
+  </p:timing>
 </p:sld>
 </file>
 
@@ -9282,6 +9366,13 @@
   <p:clrMapOvr>
     <a:masterClrMapping/>
   </p:clrMapOvr>
+  <p:timing>
+    <p:tnLst>
+      <p:par>
+        <p:cTn id="1" dur="indefinite" restart="never" nodeType="tmRoot"/>
+      </p:par>
+    </p:tnLst>
+  </p:timing>
 </p:sld>
 </file>
 
@@ -9369,6 +9460,13 @@
   <p:clrMapOvr>
     <a:masterClrMapping/>
   </p:clrMapOvr>
+  <p:timing>
+    <p:tnLst>
+      <p:par>
+        <p:cTn id="1" dur="indefinite" restart="never" nodeType="tmRoot"/>
+      </p:par>
+    </p:tnLst>
+  </p:timing>
 </p:sld>
 </file>
 
@@ -9594,6 +9692,13 @@
   <p:clrMapOvr>
     <a:masterClrMapping/>
   </p:clrMapOvr>
+  <p:timing>
+    <p:tnLst>
+      <p:par>
+        <p:cTn id="1" dur="indefinite" restart="never" nodeType="tmRoot"/>
+      </p:par>
+    </p:tnLst>
+  </p:timing>
 </p:sld>
 </file>
 
@@ -9701,6 +9806,13 @@
   <p:clrMapOvr>
     <a:masterClrMapping/>
   </p:clrMapOvr>
+  <p:timing>
+    <p:tnLst>
+      <p:par>
+        <p:cTn id="1" dur="indefinite" restart="never" nodeType="tmRoot"/>
+      </p:par>
+    </p:tnLst>
+  </p:timing>
 </p:sld>
 </file>
 
@@ -9768,7 +9880,7 @@
         </p:spPr>
         <p:txBody>
           <a:bodyPr>
-            <a:normAutofit lnSpcReduction="10000"/>
+            <a:normAutofit/>
           </a:bodyPr>
           <a:lstStyle/>
           <a:p>
@@ -9785,7 +9897,7 @@
             </a:r>
             <a:r>
               <a:rPr lang="en-US" altLang="zh-CN" dirty="0"/>
-              <a:t> pin, but rather must have the pin drive an interface circuit that in turn drives the motor. A later section of this document shows how to interface to a small motor. </a:t>
+              <a:t> pin, but rather must have the pin drive an interface circuit that in turn drives the motor. </a:t>
             </a:r>
           </a:p>
         </p:txBody>
@@ -9800,6 +9912,13 @@
   <p:clrMapOvr>
     <a:masterClrMapping/>
   </p:clrMapOvr>
+  <p:timing>
+    <p:tnLst>
+      <p:par>
+        <p:cTn id="1" dur="indefinite" restart="never" nodeType="tmRoot"/>
+      </p:par>
+    </p:tnLst>
+  </p:timing>
 </p:sld>
 </file>
 
@@ -9966,6 +10085,13 @@
   <p:clrMapOvr>
     <a:masterClrMapping/>
   </p:clrMapOvr>
+  <p:timing>
+    <p:tnLst>
+      <p:par>
+        <p:cTn id="1" dur="indefinite" restart="never" nodeType="tmRoot"/>
+      </p:par>
+    </p:tnLst>
+  </p:timing>
 </p:sld>
 </file>
 
@@ -10058,12 +10184,16 @@
               <a:t> is able to read the voltage value applied to its pins as a binary number. The interface circuitry translates the sensor signal into a 0 or +5 V signal applied to the digital I/O pin. Through a program command, the </a:t>
             </a:r>
             <a:r>
-              <a:rPr lang="en-US" altLang="zh-CN" dirty="0" err="1"/>
-              <a:t>Ardiomp</a:t>
-            </a:r>
-            <a:r>
-              <a:rPr lang="en-US" altLang="zh-CN" dirty="0"/>
-              <a:t> interrogates the state of the pin. If the pin is at 0 V, the program will read it as a 0 or LOW. If it is at +5 V, the program will read it as a 1 or HIGH. If more than +5 V is applied, you may blow out your board, so be careful. </a:t>
+              <a:rPr lang="en-US" altLang="zh-CN" dirty="0" err="1" smtClean="0"/>
+              <a:t>Arduio</a:t>
+            </a:r>
+            <a:r>
+              <a:rPr lang="en-US" altLang="zh-CN" dirty="0" smtClean="0"/>
+              <a:t> </a:t>
+            </a:r>
+            <a:r>
+              <a:rPr lang="en-US" altLang="zh-CN" dirty="0"/>
+              <a:t>interrogates the state of the pin. If the pin is at 0 V, the program will read it as a 0 or LOW. If it is at +5 V, the program will read it as a 1 or HIGH. If more than +5 V is applied, you may blow out your board, so be careful. </a:t>
             </a:r>
           </a:p>
         </p:txBody>
@@ -10078,6 +10208,13 @@
   <p:clrMapOvr>
     <a:masterClrMapping/>
   </p:clrMapOvr>
+  <p:timing>
+    <p:tnLst>
+      <p:par>
+        <p:cTn id="1" dur="indefinite" restart="never" nodeType="tmRoot"/>
+      </p:par>
+    </p:tnLst>
+  </p:timing>
 </p:sld>
 </file>
 
@@ -10204,6 +10341,13 @@
   <p:clrMapOvr>
     <a:masterClrMapping/>
   </p:clrMapOvr>
+  <p:timing>
+    <p:tnLst>
+      <p:par>
+        <p:cTn id="1" dur="indefinite" restart="never" nodeType="tmRoot"/>
+      </p:par>
+    </p:tnLst>
+  </p:timing>
 </p:sld>
 </file>
 
@@ -10308,6 +10452,13 @@
   <p:clrMapOvr>
     <a:masterClrMapping/>
   </p:clrMapOvr>
+  <p:timing>
+    <p:tnLst>
+      <p:par>
+        <p:cTn id="1" dur="indefinite" restart="never" nodeType="tmRoot"/>
+      </p:par>
+    </p:tnLst>
+  </p:timing>
 </p:sld>
 </file>
 
@@ -10612,6 +10763,13 @@
   <p:clrMapOvr>
     <a:masterClrMapping/>
   </p:clrMapOvr>
+  <p:timing>
+    <p:tnLst>
+      <p:par>
+        <p:cTn id="1" dur="indefinite" restart="never" nodeType="tmRoot"/>
+      </p:par>
+    </p:tnLst>
+  </p:timing>
 </p:sld>
 </file>
 
@@ -10755,6 +10913,13 @@
   <p:clrMapOvr>
     <a:masterClrMapping/>
   </p:clrMapOvr>
+  <p:timing>
+    <p:tnLst>
+      <p:par>
+        <p:cTn id="1" dur="indefinite" restart="never" nodeType="tmRoot"/>
+      </p:par>
+    </p:tnLst>
+  </p:timing>
 </p:sld>
 </file>
 
@@ -10956,6 +11121,13 @@
   <p:clrMapOvr>
     <a:masterClrMapping/>
   </p:clrMapOvr>
+  <p:timing>
+    <p:tnLst>
+      <p:par>
+        <p:cTn id="1" dur="indefinite" restart="never" nodeType="tmRoot"/>
+      </p:par>
+    </p:tnLst>
+  </p:timing>
 </p:sld>
 </file>
 
@@ -11091,6 +11263,13 @@
   <p:clrMapOvr>
     <a:masterClrMapping/>
   </p:clrMapOvr>
+  <p:timing>
+    <p:tnLst>
+      <p:par>
+        <p:cTn id="1" dur="indefinite" restart="never" nodeType="tmRoot"/>
+      </p:par>
+    </p:tnLst>
+  </p:timing>
 </p:sld>
 </file>
 
@@ -11231,6 +11410,13 @@
   <p:clrMapOvr>
     <a:masterClrMapping/>
   </p:clrMapOvr>
+  <p:timing>
+    <p:tnLst>
+      <p:par>
+        <p:cTn id="1" dur="indefinite" restart="never" nodeType="tmRoot"/>
+      </p:par>
+    </p:tnLst>
+  </p:timing>
 </p:sld>
 </file>
 
@@ -11299,13 +11485,21 @@
         </p:spPr>
         <p:txBody>
           <a:bodyPr>
-            <a:normAutofit fontScale="92500" lnSpcReduction="20000"/>
+            <a:normAutofit/>
           </a:bodyPr>
           <a:lstStyle/>
           <a:p>
             <a:r>
               <a:rPr lang="en-US" altLang="zh-CN" dirty="0"/>
-              <a:t>Functions are a powerful programming feature that are used when you want to set up an action that can be called from several places in the program. For example, let's say you wanted an LED connected to pin 2 to flash 3 times as an alert, but that you needed to execute the alert at three different places in the program. One solution would be to type in the flashing code at the three separate program locations. This uses up precious code space and also means that if you change the flash function, for example changing from 3 flashes to 4, you have to change the code in three places. A better solution is to write the flash function as a subroutine and to call it from the main body of the code.</a:t>
+              <a:t>Functions are a powerful programming feature that are used when you want to set up an action that can be called from several places in the program. For example, let's say you wanted an LED connected to pin 2 to flash 3 times as an alert, but that you needed to execute the alert at three different places in the program. One solution would be to type in the flashing code at the three separate program locations. </a:t>
+            </a:r>
+            <a:r>
+              <a:rPr lang="en-US" altLang="zh-CN" dirty="0" smtClean="0"/>
+              <a:t>A </a:t>
+            </a:r>
+            <a:r>
+              <a:rPr lang="en-US" altLang="zh-CN" dirty="0"/>
+              <a:t>better solution is to write the flash function as a subroutine and to call it from the main body of the code.</a:t>
             </a:r>
           </a:p>
         </p:txBody>
@@ -11320,6 +11514,13 @@
   <p:clrMapOvr>
     <a:masterClrMapping/>
   </p:clrMapOvr>
+  <p:timing>
+    <p:tnLst>
+      <p:par>
+        <p:cTn id="1" dur="indefinite" restart="never" nodeType="tmRoot"/>
+      </p:par>
+    </p:tnLst>
+  </p:timing>
 </p:sld>
 </file>
 
@@ -11695,6 +11896,13 @@
   <p:clrMapOvr>
     <a:masterClrMapping/>
   </p:clrMapOvr>
+  <p:timing>
+    <p:tnLst>
+      <p:par>
+        <p:cTn id="1" dur="indefinite" restart="never" nodeType="tmRoot"/>
+      </p:par>
+    </p:tnLst>
+  </p:timing>
 </p:sld>
 </file>
 
@@ -11821,6 +12029,13 @@
   <p:clrMapOvr>
     <a:masterClrMapping/>
   </p:clrMapOvr>
+  <p:timing>
+    <p:tnLst>
+      <p:par>
+        <p:cTn id="1" dur="indefinite" restart="never" nodeType="tmRoot"/>
+      </p:par>
+    </p:tnLst>
+  </p:timing>
 </p:sld>
 </file>
 
@@ -12034,6 +12249,13 @@
   <p:clrMapOvr>
     <a:masterClrMapping/>
   </p:clrMapOvr>
+  <p:timing>
+    <p:tnLst>
+      <p:par>
+        <p:cTn id="1" dur="indefinite" restart="never" nodeType="tmRoot"/>
+      </p:par>
+    </p:tnLst>
+  </p:timing>
 </p:sld>
 </file>
 
@@ -12271,6 +12493,13 @@
   <p:clrMapOvr>
     <a:masterClrMapping/>
   </p:clrMapOvr>
+  <p:timing>
+    <p:tnLst>
+      <p:par>
+        <p:cTn id="1" dur="indefinite" restart="never" nodeType="tmRoot"/>
+      </p:par>
+    </p:tnLst>
+  </p:timing>
 </p:sld>
 </file>
 
@@ -12657,6 +12886,13 @@
   <p:clrMapOvr>
     <a:masterClrMapping/>
   </p:clrMapOvr>
+  <p:timing>
+    <p:tnLst>
+      <p:par>
+        <p:cTn id="1" dur="indefinite" restart="never" nodeType="tmRoot"/>
+      </p:par>
+    </p:tnLst>
+  </p:timing>
 </p:sld>
 </file>
 
@@ -12859,6 +13095,13 @@
   <p:clrMapOvr>
     <a:masterClrMapping/>
   </p:clrMapOvr>
+  <p:timing>
+    <p:tnLst>
+      <p:par>
+        <p:cTn id="1" dur="indefinite" restart="never" nodeType="tmRoot"/>
+      </p:par>
+    </p:tnLst>
+  </p:timing>
 </p:sld>
 </file>
 
@@ -13152,6 +13395,13 @@
   <p:clrMapOvr>
     <a:masterClrMapping/>
   </p:clrMapOvr>
+  <p:timing>
+    <p:tnLst>
+      <p:par>
+        <p:cTn id="1" dur="indefinite" restart="never" nodeType="tmRoot"/>
+      </p:par>
+    </p:tnLst>
+  </p:timing>
 </p:sld>
 </file>
 
